--- a/10 base 5.pptx
+++ b/10 base 5.pptx
@@ -6,14 +6,17 @@
   </p:sldMasterIdLst>
   <p:sldIdLst>
     <p:sldId id="256" r:id="rId2"/>
-    <p:sldId id="257" r:id="rId3"/>
-    <p:sldId id="258" r:id="rId4"/>
-    <p:sldId id="259" r:id="rId5"/>
-    <p:sldId id="260" r:id="rId6"/>
+    <p:sldId id="262" r:id="rId3"/>
+    <p:sldId id="257" r:id="rId4"/>
+    <p:sldId id="258" r:id="rId5"/>
+    <p:sldId id="259" r:id="rId6"/>
     <p:sldId id="261" r:id="rId7"/>
-    <p:sldId id="262" r:id="rId8"/>
+    <p:sldId id="260" r:id="rId8"/>
     <p:sldId id="263" r:id="rId9"/>
     <p:sldId id="264" r:id="rId10"/>
+    <p:sldId id="265" r:id="rId11"/>
+    <p:sldId id="266" r:id="rId12"/>
+    <p:sldId id="267" r:id="rId13"/>
   </p:sldIdLst>
   <p:sldSz cx="12192000" cy="6858000"/>
   <p:notesSz cx="6858000" cy="9144000"/>
@@ -112,6 +115,11 @@
       </a:defRPr>
     </a:lvl9pPr>
   </p:defaultTextStyle>
+  <p:extLst>
+    <p:ext uri="{EFAFB233-063F-42B5-8137-9DF3F51BA10A}">
+      <p15:sldGuideLst xmlns:p15="http://schemas.microsoft.com/office/powerpoint/2012/main"/>
+    </p:ext>
+  </p:extLst>
 </p:presentation>
 </file>
 
@@ -246,7 +254,7 @@
           <a:p>
             <a:fld id="{B20BE9C7-5913-48A1-BCF9-0A32977BD068}" type="datetimeFigureOut">
               <a:rPr lang="pt-BR" smtClean="0"/>
-              <a:t>11/04/2022</a:t>
+              <a:t>12/04/2022</a:t>
             </a:fld>
             <a:endParaRPr lang="pt-BR"/>
           </a:p>
@@ -416,7 +424,7 @@
           <a:p>
             <a:fld id="{B20BE9C7-5913-48A1-BCF9-0A32977BD068}" type="datetimeFigureOut">
               <a:rPr lang="pt-BR" smtClean="0"/>
-              <a:t>11/04/2022</a:t>
+              <a:t>12/04/2022</a:t>
             </a:fld>
             <a:endParaRPr lang="pt-BR"/>
           </a:p>
@@ -596,7 +604,7 @@
           <a:p>
             <a:fld id="{B20BE9C7-5913-48A1-BCF9-0A32977BD068}" type="datetimeFigureOut">
               <a:rPr lang="pt-BR" smtClean="0"/>
-              <a:t>11/04/2022</a:t>
+              <a:t>12/04/2022</a:t>
             </a:fld>
             <a:endParaRPr lang="pt-BR"/>
           </a:p>
@@ -766,7 +774,7 @@
           <a:p>
             <a:fld id="{B20BE9C7-5913-48A1-BCF9-0A32977BD068}" type="datetimeFigureOut">
               <a:rPr lang="pt-BR" smtClean="0"/>
-              <a:t>11/04/2022</a:t>
+              <a:t>12/04/2022</a:t>
             </a:fld>
             <a:endParaRPr lang="pt-BR"/>
           </a:p>
@@ -1012,7 +1020,7 @@
           <a:p>
             <a:fld id="{B20BE9C7-5913-48A1-BCF9-0A32977BD068}" type="datetimeFigureOut">
               <a:rPr lang="pt-BR" smtClean="0"/>
-              <a:t>11/04/2022</a:t>
+              <a:t>12/04/2022</a:t>
             </a:fld>
             <a:endParaRPr lang="pt-BR"/>
           </a:p>
@@ -1244,7 +1252,7 @@
           <a:p>
             <a:fld id="{B20BE9C7-5913-48A1-BCF9-0A32977BD068}" type="datetimeFigureOut">
               <a:rPr lang="pt-BR" smtClean="0"/>
-              <a:t>11/04/2022</a:t>
+              <a:t>12/04/2022</a:t>
             </a:fld>
             <a:endParaRPr lang="pt-BR"/>
           </a:p>
@@ -1611,7 +1619,7 @@
           <a:p>
             <a:fld id="{B20BE9C7-5913-48A1-BCF9-0A32977BD068}" type="datetimeFigureOut">
               <a:rPr lang="pt-BR" smtClean="0"/>
-              <a:t>11/04/2022</a:t>
+              <a:t>12/04/2022</a:t>
             </a:fld>
             <a:endParaRPr lang="pt-BR"/>
           </a:p>
@@ -1729,7 +1737,7 @@
           <a:p>
             <a:fld id="{B20BE9C7-5913-48A1-BCF9-0A32977BD068}" type="datetimeFigureOut">
               <a:rPr lang="pt-BR" smtClean="0"/>
-              <a:t>11/04/2022</a:t>
+              <a:t>12/04/2022</a:t>
             </a:fld>
             <a:endParaRPr lang="pt-BR"/>
           </a:p>
@@ -1824,7 +1832,7 @@
           <a:p>
             <a:fld id="{B20BE9C7-5913-48A1-BCF9-0A32977BD068}" type="datetimeFigureOut">
               <a:rPr lang="pt-BR" smtClean="0"/>
-              <a:t>11/04/2022</a:t>
+              <a:t>12/04/2022</a:t>
             </a:fld>
             <a:endParaRPr lang="pt-BR"/>
           </a:p>
@@ -2101,7 +2109,7 @@
           <a:p>
             <a:fld id="{B20BE9C7-5913-48A1-BCF9-0A32977BD068}" type="datetimeFigureOut">
               <a:rPr lang="pt-BR" smtClean="0"/>
-              <a:t>11/04/2022</a:t>
+              <a:t>12/04/2022</a:t>
             </a:fld>
             <a:endParaRPr lang="pt-BR"/>
           </a:p>
@@ -2354,7 +2362,7 @@
           <a:p>
             <a:fld id="{B20BE9C7-5913-48A1-BCF9-0A32977BD068}" type="datetimeFigureOut">
               <a:rPr lang="pt-BR" smtClean="0"/>
-              <a:t>11/04/2022</a:t>
+              <a:t>12/04/2022</a:t>
             </a:fld>
             <a:endParaRPr lang="pt-BR"/>
           </a:p>
@@ -2567,7 +2575,7 @@
           <a:p>
             <a:fld id="{B20BE9C7-5913-48A1-BCF9-0A32977BD068}" type="datetimeFigureOut">
               <a:rPr lang="pt-BR" smtClean="0"/>
-              <a:t>11/04/2022</a:t>
+              <a:t>12/04/2022</a:t>
             </a:fld>
             <a:endParaRPr lang="pt-BR"/>
           </a:p>
@@ -3094,7 +3102,342 @@
 </p:sld>
 </file>
 
+<file path=ppt/slides/slide10.xml><?xml version="1.0" encoding="utf-8"?>
+<p:sld xmlns:a="http://schemas.openxmlformats.org/drawingml/2006/main" xmlns:r="http://schemas.openxmlformats.org/officeDocument/2006/relationships" xmlns:p="http://schemas.openxmlformats.org/presentationml/2006/main">
+  <p:cSld>
+    <p:bg>
+      <p:bgPr>
+        <a:blipFill>
+          <a:blip r:embed="rId2"/>
+          <a:stretch>
+            <a:fillRect/>
+          </a:stretch>
+        </a:blipFill>
+        <a:effectLst/>
+      </p:bgPr>
+    </p:bg>
+    <p:spTree>
+      <p:nvGrpSpPr>
+        <p:cNvPr id="1" name=""/>
+        <p:cNvGrpSpPr/>
+        <p:nvPr/>
+      </p:nvGrpSpPr>
+      <p:grpSpPr>
+        <a:xfrm>
+          <a:off x="0" y="0"/>
+          <a:ext cx="0" cy="0"/>
+          <a:chOff x="0" y="0"/>
+          <a:chExt cx="0" cy="0"/>
+        </a:xfrm>
+      </p:grpSpPr>
+      <p:sp>
+        <p:nvSpPr>
+          <p:cNvPr id="2" name="Título 1"/>
+          <p:cNvSpPr>
+            <a:spLocks noGrp="1"/>
+          </p:cNvSpPr>
+          <p:nvPr>
+            <p:ph type="title"/>
+          </p:nvPr>
+        </p:nvSpPr>
+        <p:spPr/>
+        <p:txBody>
+          <a:bodyPr/>
+          <a:lstStyle/>
+          <a:p>
+            <a:endParaRPr lang="pt-BR"/>
+          </a:p>
+        </p:txBody>
+      </p:sp>
+      <p:sp>
+        <p:nvSpPr>
+          <p:cNvPr id="3" name="Espaço Reservado para Conteúdo 2"/>
+          <p:cNvSpPr>
+            <a:spLocks noGrp="1"/>
+          </p:cNvSpPr>
+          <p:nvPr>
+            <p:ph idx="1"/>
+          </p:nvPr>
+        </p:nvSpPr>
+        <p:spPr/>
+        <p:txBody>
+          <a:bodyPr/>
+          <a:lstStyle/>
+          <a:p>
+            <a:endParaRPr lang="pt-BR"/>
+          </a:p>
+        </p:txBody>
+      </p:sp>
+    </p:spTree>
+    <p:extLst>
+      <p:ext uri="{BB962C8B-B14F-4D97-AF65-F5344CB8AC3E}">
+        <p14:creationId xmlns:p14="http://schemas.microsoft.com/office/powerpoint/2010/main" val="2800887962"/>
+      </p:ext>
+    </p:extLst>
+  </p:cSld>
+  <p:clrMapOvr>
+    <a:masterClrMapping/>
+  </p:clrMapOvr>
+</p:sld>
+</file>
+
+<file path=ppt/slides/slide11.xml><?xml version="1.0" encoding="utf-8"?>
+<p:sld xmlns:a="http://schemas.openxmlformats.org/drawingml/2006/main" xmlns:r="http://schemas.openxmlformats.org/officeDocument/2006/relationships" xmlns:p="http://schemas.openxmlformats.org/presentationml/2006/main">
+  <p:cSld>
+    <p:bg>
+      <p:bgPr>
+        <a:blipFill>
+          <a:blip r:embed="rId2"/>
+          <a:stretch>
+            <a:fillRect/>
+          </a:stretch>
+        </a:blipFill>
+        <a:effectLst/>
+      </p:bgPr>
+    </p:bg>
+    <p:spTree>
+      <p:nvGrpSpPr>
+        <p:cNvPr id="1" name=""/>
+        <p:cNvGrpSpPr/>
+        <p:nvPr/>
+      </p:nvGrpSpPr>
+      <p:grpSpPr>
+        <a:xfrm>
+          <a:off x="0" y="0"/>
+          <a:ext cx="0" cy="0"/>
+          <a:chOff x="0" y="0"/>
+          <a:chExt cx="0" cy="0"/>
+        </a:xfrm>
+      </p:grpSpPr>
+      <p:sp>
+        <p:nvSpPr>
+          <p:cNvPr id="2" name="Título 1"/>
+          <p:cNvSpPr>
+            <a:spLocks noGrp="1"/>
+          </p:cNvSpPr>
+          <p:nvPr>
+            <p:ph type="title"/>
+          </p:nvPr>
+        </p:nvSpPr>
+        <p:spPr/>
+        <p:txBody>
+          <a:bodyPr/>
+          <a:lstStyle/>
+          <a:p>
+            <a:endParaRPr lang="pt-BR"/>
+          </a:p>
+        </p:txBody>
+      </p:sp>
+      <p:sp>
+        <p:nvSpPr>
+          <p:cNvPr id="3" name="Espaço Reservado para Conteúdo 2"/>
+          <p:cNvSpPr>
+            <a:spLocks noGrp="1"/>
+          </p:cNvSpPr>
+          <p:nvPr>
+            <p:ph idx="1"/>
+          </p:nvPr>
+        </p:nvSpPr>
+        <p:spPr/>
+        <p:txBody>
+          <a:bodyPr/>
+          <a:lstStyle/>
+          <a:p>
+            <a:endParaRPr lang="pt-BR"/>
+          </a:p>
+        </p:txBody>
+      </p:sp>
+    </p:spTree>
+    <p:extLst>
+      <p:ext uri="{BB962C8B-B14F-4D97-AF65-F5344CB8AC3E}">
+        <p14:creationId xmlns:p14="http://schemas.microsoft.com/office/powerpoint/2010/main" val="3942824332"/>
+      </p:ext>
+    </p:extLst>
+  </p:cSld>
+  <p:clrMapOvr>
+    <a:masterClrMapping/>
+  </p:clrMapOvr>
+</p:sld>
+</file>
+
+<file path=ppt/slides/slide12.xml><?xml version="1.0" encoding="utf-8"?>
+<p:sld xmlns:a="http://schemas.openxmlformats.org/drawingml/2006/main" xmlns:r="http://schemas.openxmlformats.org/officeDocument/2006/relationships" xmlns:p="http://schemas.openxmlformats.org/presentationml/2006/main">
+  <p:cSld>
+    <p:bg>
+      <p:bgPr>
+        <a:blipFill>
+          <a:blip r:embed="rId2"/>
+          <a:stretch>
+            <a:fillRect/>
+          </a:stretch>
+        </a:blipFill>
+        <a:effectLst/>
+      </p:bgPr>
+    </p:bg>
+    <p:spTree>
+      <p:nvGrpSpPr>
+        <p:cNvPr id="1" name=""/>
+        <p:cNvGrpSpPr/>
+        <p:nvPr/>
+      </p:nvGrpSpPr>
+      <p:grpSpPr>
+        <a:xfrm>
+          <a:off x="0" y="0"/>
+          <a:ext cx="0" cy="0"/>
+          <a:chOff x="0" y="0"/>
+          <a:chExt cx="0" cy="0"/>
+        </a:xfrm>
+      </p:grpSpPr>
+      <p:sp>
+        <p:nvSpPr>
+          <p:cNvPr id="2" name="Título 1"/>
+          <p:cNvSpPr>
+            <a:spLocks noGrp="1"/>
+          </p:cNvSpPr>
+          <p:nvPr>
+            <p:ph type="title"/>
+          </p:nvPr>
+        </p:nvSpPr>
+        <p:spPr/>
+        <p:txBody>
+          <a:bodyPr/>
+          <a:lstStyle/>
+          <a:p>
+            <a:endParaRPr lang="pt-BR"/>
+          </a:p>
+        </p:txBody>
+      </p:sp>
+      <p:sp>
+        <p:nvSpPr>
+          <p:cNvPr id="3" name="Espaço Reservado para Conteúdo 2"/>
+          <p:cNvSpPr>
+            <a:spLocks noGrp="1"/>
+          </p:cNvSpPr>
+          <p:nvPr>
+            <p:ph idx="1"/>
+          </p:nvPr>
+        </p:nvSpPr>
+        <p:spPr/>
+        <p:txBody>
+          <a:bodyPr/>
+          <a:lstStyle/>
+          <a:p>
+            <a:endParaRPr lang="pt-BR"/>
+          </a:p>
+        </p:txBody>
+      </p:sp>
+    </p:spTree>
+    <p:extLst>
+      <p:ext uri="{BB962C8B-B14F-4D97-AF65-F5344CB8AC3E}">
+        <p14:creationId xmlns:p14="http://schemas.microsoft.com/office/powerpoint/2010/main" val="1933734602"/>
+      </p:ext>
+    </p:extLst>
+  </p:cSld>
+  <p:clrMapOvr>
+    <a:masterClrMapping/>
+  </p:clrMapOvr>
+</p:sld>
+</file>
+
 <file path=ppt/slides/slide2.xml><?xml version="1.0" encoding="utf-8"?>
+<p:sld xmlns:a="http://schemas.openxmlformats.org/drawingml/2006/main" xmlns:r="http://schemas.openxmlformats.org/officeDocument/2006/relationships" xmlns:p="http://schemas.openxmlformats.org/presentationml/2006/main">
+  <p:cSld>
+    <p:bg>
+      <p:bgPr>
+        <a:blipFill>
+          <a:blip r:embed="rId2"/>
+          <a:stretch>
+            <a:fillRect/>
+          </a:stretch>
+        </a:blipFill>
+        <a:effectLst/>
+      </p:bgPr>
+    </p:bg>
+    <p:spTree>
+      <p:nvGrpSpPr>
+        <p:cNvPr id="1" name=""/>
+        <p:cNvGrpSpPr/>
+        <p:nvPr/>
+      </p:nvGrpSpPr>
+      <p:grpSpPr>
+        <a:xfrm>
+          <a:off x="0" y="0"/>
+          <a:ext cx="0" cy="0"/>
+          <a:chOff x="0" y="0"/>
+          <a:chExt cx="0" cy="0"/>
+        </a:xfrm>
+      </p:grpSpPr>
+      <p:sp>
+        <p:nvSpPr>
+          <p:cNvPr id="2" name="Título 1"/>
+          <p:cNvSpPr>
+            <a:spLocks noGrp="1"/>
+          </p:cNvSpPr>
+          <p:nvPr>
+            <p:ph type="title"/>
+          </p:nvPr>
+        </p:nvSpPr>
+        <p:spPr/>
+        <p:txBody>
+          <a:bodyPr>
+            <a:normAutofit/>
+          </a:bodyPr>
+          <a:lstStyle/>
+          <a:p>
+            <a:pPr algn="ctr"/>
+            <a:r>
+              <a:rPr lang="pt-BR" sz="6000" dirty="0" smtClean="0">
+                <a:solidFill>
+                  <a:schemeClr val="bg1"/>
+                </a:solidFill>
+                <a:latin typeface="Arial" panose="020B0604020202020204" pitchFamily="34" charset="0"/>
+                <a:cs typeface="Arial" panose="020B0604020202020204" pitchFamily="34" charset="0"/>
+              </a:rPr>
+              <a:t>História</a:t>
+            </a:r>
+            <a:endParaRPr lang="pt-BR" sz="6000" dirty="0">
+              <a:solidFill>
+                <a:schemeClr val="bg1"/>
+              </a:solidFill>
+              <a:latin typeface="Arial" panose="020B0604020202020204" pitchFamily="34" charset="0"/>
+              <a:cs typeface="Arial" panose="020B0604020202020204" pitchFamily="34" charset="0"/>
+            </a:endParaRPr>
+          </a:p>
+        </p:txBody>
+      </p:sp>
+      <p:sp>
+        <p:nvSpPr>
+          <p:cNvPr id="3" name="Espaço Reservado para Conteúdo 2"/>
+          <p:cNvSpPr>
+            <a:spLocks noGrp="1"/>
+          </p:cNvSpPr>
+          <p:nvPr>
+            <p:ph idx="1"/>
+          </p:nvPr>
+        </p:nvSpPr>
+        <p:spPr/>
+        <p:txBody>
+          <a:bodyPr/>
+          <a:lstStyle/>
+          <a:p>
+            <a:endParaRPr lang="pt-BR"/>
+          </a:p>
+        </p:txBody>
+      </p:sp>
+    </p:spTree>
+    <p:extLst>
+      <p:ext uri="{BB962C8B-B14F-4D97-AF65-F5344CB8AC3E}">
+        <p14:creationId xmlns:p14="http://schemas.microsoft.com/office/powerpoint/2010/main" val="2849714343"/>
+      </p:ext>
+    </p:extLst>
+  </p:cSld>
+  <p:clrMapOvr>
+    <a:masterClrMapping/>
+  </p:clrMapOvr>
+</p:sld>
+</file>
+
+<file path=ppt/slides/slide3.xml><?xml version="1.0" encoding="utf-8"?>
 <p:sld xmlns:a="http://schemas.openxmlformats.org/drawingml/2006/main" xmlns:r="http://schemas.openxmlformats.org/officeDocument/2006/relationships" xmlns:p="http://schemas.openxmlformats.org/presentationml/2006/main">
   <p:cSld>
     <p:bg>
@@ -3385,7 +3728,7 @@
 </p:sld>
 </file>
 
-<file path=ppt/slides/slide3.xml><?xml version="1.0" encoding="utf-8"?>
+<file path=ppt/slides/slide4.xml><?xml version="1.0" encoding="utf-8"?>
 <p:sld xmlns:a="http://schemas.openxmlformats.org/drawingml/2006/main" xmlns:r="http://schemas.openxmlformats.org/officeDocument/2006/relationships" xmlns:p="http://schemas.openxmlformats.org/presentationml/2006/main">
   <p:cSld>
     <p:bg>
@@ -3653,276 +3996,6 @@
 </p:sld>
 </file>
 
-<file path=ppt/slides/slide4.xml><?xml version="1.0" encoding="utf-8"?>
-<p:sld xmlns:a="http://schemas.openxmlformats.org/drawingml/2006/main" xmlns:r="http://schemas.openxmlformats.org/officeDocument/2006/relationships" xmlns:p="http://schemas.openxmlformats.org/presentationml/2006/main">
-  <p:cSld>
-    <p:bg>
-      <p:bgPr>
-        <a:blipFill>
-          <a:blip r:embed="rId2"/>
-          <a:stretch>
-            <a:fillRect/>
-          </a:stretch>
-        </a:blipFill>
-        <a:effectLst/>
-      </p:bgPr>
-    </p:bg>
-    <p:spTree>
-      <p:nvGrpSpPr>
-        <p:cNvPr id="1" name=""/>
-        <p:cNvGrpSpPr/>
-        <p:nvPr/>
-      </p:nvGrpSpPr>
-      <p:grpSpPr>
-        <a:xfrm>
-          <a:off x="0" y="0"/>
-          <a:ext cx="0" cy="0"/>
-          <a:chOff x="0" y="0"/>
-          <a:chExt cx="0" cy="0"/>
-        </a:xfrm>
-      </p:grpSpPr>
-      <p:sp>
-        <p:nvSpPr>
-          <p:cNvPr id="2" name="Título 1"/>
-          <p:cNvSpPr>
-            <a:spLocks noGrp="1"/>
-          </p:cNvSpPr>
-          <p:nvPr>
-            <p:ph type="title"/>
-          </p:nvPr>
-        </p:nvSpPr>
-        <p:spPr/>
-        <p:txBody>
-          <a:bodyPr>
-            <a:normAutofit/>
-          </a:bodyPr>
-          <a:lstStyle/>
-          <a:p>
-            <a:pPr algn="ctr"/>
-            <a:r>
-              <a:rPr lang="pt-BR" sz="6000" dirty="0" smtClean="0">
-                <a:solidFill>
-                  <a:schemeClr val="bg1"/>
-                </a:solidFill>
-                <a:latin typeface="Arial" panose="020B0604020202020204" pitchFamily="34" charset="0"/>
-                <a:cs typeface="Arial" panose="020B0604020202020204" pitchFamily="34" charset="0"/>
-              </a:rPr>
-              <a:t>Composição</a:t>
-            </a:r>
-            <a:endParaRPr lang="pt-BR" sz="6000" dirty="0">
-              <a:solidFill>
-                <a:schemeClr val="bg1"/>
-              </a:solidFill>
-              <a:latin typeface="Arial" panose="020B0604020202020204" pitchFamily="34" charset="0"/>
-              <a:cs typeface="Arial" panose="020B0604020202020204" pitchFamily="34" charset="0"/>
-            </a:endParaRPr>
-          </a:p>
-        </p:txBody>
-      </p:sp>
-      <p:sp>
-        <p:nvSpPr>
-          <p:cNvPr id="3" name="Espaço Reservado para Conteúdo 2"/>
-          <p:cNvSpPr>
-            <a:spLocks noGrp="1"/>
-          </p:cNvSpPr>
-          <p:nvPr>
-            <p:ph idx="1"/>
-          </p:nvPr>
-        </p:nvSpPr>
-        <p:spPr>
-          <a:xfrm>
-            <a:off x="838200" y="1847140"/>
-            <a:ext cx="10515600" cy="4351338"/>
-          </a:xfrm>
-        </p:spPr>
-        <p:txBody>
-          <a:bodyPr>
-            <a:normAutofit/>
-          </a:bodyPr>
-          <a:lstStyle/>
-          <a:p>
-            <a:r>
-              <a:rPr lang="pt-BR" sz="2400" dirty="0" smtClean="0">
-                <a:solidFill>
-                  <a:schemeClr val="bg1"/>
-                </a:solidFill>
-                <a:latin typeface="Arial" panose="020B0604020202020204" pitchFamily="34" charset="0"/>
-                <a:cs typeface="Arial" panose="020B0604020202020204" pitchFamily="34" charset="0"/>
-              </a:rPr>
-              <a:t>Núcleo = transporta </a:t>
-            </a:r>
-            <a:r>
-              <a:rPr lang="pt-BR" sz="2400" dirty="0">
-                <a:solidFill>
-                  <a:schemeClr val="bg1"/>
-                </a:solidFill>
-                <a:latin typeface="Arial" panose="020B0604020202020204" pitchFamily="34" charset="0"/>
-                <a:cs typeface="Arial" panose="020B0604020202020204" pitchFamily="34" charset="0"/>
-              </a:rPr>
-              <a:t>os sinais eletrônicos que constituem os </a:t>
-            </a:r>
-            <a:r>
-              <a:rPr lang="pt-BR" sz="2400" dirty="0" smtClean="0">
-                <a:solidFill>
-                  <a:schemeClr val="bg1"/>
-                </a:solidFill>
-                <a:latin typeface="Arial" panose="020B0604020202020204" pitchFamily="34" charset="0"/>
-                <a:cs typeface="Arial" panose="020B0604020202020204" pitchFamily="34" charset="0"/>
-              </a:rPr>
-              <a:t>dados</a:t>
-            </a:r>
-            <a:r>
-              <a:rPr lang="pt-BR" sz="2400" dirty="0">
-                <a:solidFill>
-                  <a:schemeClr val="bg1"/>
-                </a:solidFill>
-                <a:latin typeface="Arial" panose="020B0604020202020204" pitchFamily="34" charset="0"/>
-                <a:cs typeface="Arial" panose="020B0604020202020204" pitchFamily="34" charset="0"/>
-              </a:rPr>
-              <a:t>;</a:t>
-            </a:r>
-            <a:endParaRPr lang="pt-BR" sz="2400" dirty="0" smtClean="0">
-              <a:solidFill>
-                <a:schemeClr val="bg1"/>
-              </a:solidFill>
-              <a:latin typeface="Arial" panose="020B0604020202020204" pitchFamily="34" charset="0"/>
-              <a:cs typeface="Arial" panose="020B0604020202020204" pitchFamily="34" charset="0"/>
-            </a:endParaRPr>
-          </a:p>
-          <a:p>
-            <a:r>
-              <a:rPr lang="pt-BR" sz="2400" dirty="0" smtClean="0">
-                <a:solidFill>
-                  <a:schemeClr val="bg1"/>
-                </a:solidFill>
-                <a:latin typeface="Arial" panose="020B0604020202020204" pitchFamily="34" charset="0"/>
-                <a:cs typeface="Arial" panose="020B0604020202020204" pitchFamily="34" charset="0"/>
-              </a:rPr>
-              <a:t>Núcleo = sólido ou trançado;</a:t>
-            </a:r>
-          </a:p>
-          <a:p>
-            <a:r>
-              <a:rPr lang="pt-BR" sz="2400" dirty="0" smtClean="0">
-                <a:solidFill>
-                  <a:schemeClr val="bg1"/>
-                </a:solidFill>
-                <a:latin typeface="Arial" panose="020B0604020202020204" pitchFamily="34" charset="0"/>
-                <a:cs typeface="Arial" panose="020B0604020202020204" pitchFamily="34" charset="0"/>
-              </a:rPr>
-              <a:t>Camada isolante = separar o núcleo da malha;</a:t>
-            </a:r>
-          </a:p>
-          <a:p>
-            <a:r>
-              <a:rPr lang="pt-BR" sz="2400" dirty="0">
-                <a:solidFill>
-                  <a:schemeClr val="bg1"/>
-                </a:solidFill>
-                <a:latin typeface="Arial" panose="020B0604020202020204" pitchFamily="34" charset="0"/>
-                <a:cs typeface="Arial" panose="020B0604020202020204" pitchFamily="34" charset="0"/>
-              </a:rPr>
-              <a:t>M</a:t>
-            </a:r>
-            <a:r>
-              <a:rPr lang="pt-BR" sz="2400" dirty="0" smtClean="0">
-                <a:solidFill>
-                  <a:schemeClr val="bg1"/>
-                </a:solidFill>
-                <a:latin typeface="Arial" panose="020B0604020202020204" pitchFamily="34" charset="0"/>
-                <a:cs typeface="Arial" panose="020B0604020202020204" pitchFamily="34" charset="0"/>
-              </a:rPr>
-              <a:t>alha </a:t>
-            </a:r>
-            <a:r>
-              <a:rPr lang="pt-BR" sz="2400" dirty="0">
-                <a:solidFill>
-                  <a:schemeClr val="bg1"/>
-                </a:solidFill>
-                <a:latin typeface="Arial" panose="020B0604020202020204" pitchFamily="34" charset="0"/>
-                <a:cs typeface="Arial" panose="020B0604020202020204" pitchFamily="34" charset="0"/>
-              </a:rPr>
-              <a:t>de fio trançada </a:t>
-            </a:r>
-            <a:r>
-              <a:rPr lang="pt-BR" sz="2400" dirty="0" smtClean="0">
-                <a:solidFill>
-                  <a:schemeClr val="bg1"/>
-                </a:solidFill>
-                <a:latin typeface="Arial" panose="020B0604020202020204" pitchFamily="34" charset="0"/>
-                <a:cs typeface="Arial" panose="020B0604020202020204" pitchFamily="34" charset="0"/>
-              </a:rPr>
-              <a:t>= protege </a:t>
-            </a:r>
-            <a:r>
-              <a:rPr lang="pt-BR" sz="2400" dirty="0">
-                <a:solidFill>
-                  <a:schemeClr val="bg1"/>
-                </a:solidFill>
-                <a:latin typeface="Arial" panose="020B0604020202020204" pitchFamily="34" charset="0"/>
-                <a:cs typeface="Arial" panose="020B0604020202020204" pitchFamily="34" charset="0"/>
-              </a:rPr>
-              <a:t>o núcleo contra </a:t>
-            </a:r>
-            <a:r>
-              <a:rPr lang="pt-BR" sz="2400" dirty="0" smtClean="0">
-                <a:solidFill>
-                  <a:schemeClr val="bg1"/>
-                </a:solidFill>
-                <a:latin typeface="Arial" panose="020B0604020202020204" pitchFamily="34" charset="0"/>
-                <a:cs typeface="Arial" panose="020B0604020202020204" pitchFamily="34" charset="0"/>
-              </a:rPr>
-              <a:t>ruídos (Ex.: </a:t>
-            </a:r>
-            <a:r>
-              <a:rPr lang="pt-BR" sz="2400" smtClean="0">
-                <a:solidFill>
-                  <a:schemeClr val="bg1"/>
-                </a:solidFill>
-                <a:latin typeface="Arial" panose="020B0604020202020204" pitchFamily="34" charset="0"/>
-                <a:cs typeface="Arial" panose="020B0604020202020204" pitchFamily="34" charset="0"/>
-              </a:rPr>
-              <a:t>fio terra);</a:t>
-            </a:r>
-            <a:endParaRPr lang="pt-BR" sz="2400" dirty="0" smtClean="0">
-              <a:solidFill>
-                <a:schemeClr val="bg1"/>
-              </a:solidFill>
-              <a:latin typeface="Arial" panose="020B0604020202020204" pitchFamily="34" charset="0"/>
-              <a:cs typeface="Arial" panose="020B0604020202020204" pitchFamily="34" charset="0"/>
-            </a:endParaRPr>
-          </a:p>
-          <a:p>
-            <a:endParaRPr lang="pt-BR" sz="2400" dirty="0">
-              <a:solidFill>
-                <a:schemeClr val="bg1"/>
-              </a:solidFill>
-              <a:latin typeface="Arial" panose="020B0604020202020204" pitchFamily="34" charset="0"/>
-              <a:cs typeface="Arial" panose="020B0604020202020204" pitchFamily="34" charset="0"/>
-            </a:endParaRPr>
-          </a:p>
-        </p:txBody>
-      </p:sp>
-    </p:spTree>
-    <p:extLst>
-      <p:ext uri="{BB962C8B-B14F-4D97-AF65-F5344CB8AC3E}">
-        <p14:creationId xmlns:p14="http://schemas.microsoft.com/office/powerpoint/2010/main" val="161230670"/>
-      </p:ext>
-    </p:extLst>
-  </p:cSld>
-  <p:clrMapOvr>
-    <a:masterClrMapping/>
-  </p:clrMapOvr>
-  <p:timing>
-    <p:tnLst>
-      <p:par>
-        <p:cTn id="1" dur="indefinite" restart="never" nodeType="tmRoot"/>
-      </p:par>
-    </p:tnLst>
-  </p:timing>
-</p:sld>
-</file>
-
 <file path=ppt/slides/slide5.xml><?xml version="1.0" encoding="utf-8"?>
 <p:sld xmlns:a="http://schemas.openxmlformats.org/drawingml/2006/main" xmlns:r="http://schemas.openxmlformats.org/officeDocument/2006/relationships" xmlns:p="http://schemas.openxmlformats.org/presentationml/2006/main">
   <p:cSld>
@@ -3963,10 +4036,29 @@
         </p:nvSpPr>
         <p:spPr/>
         <p:txBody>
-          <a:bodyPr/>
-          <a:lstStyle/>
-          <a:p>
-            <a:endParaRPr lang="pt-BR"/>
+          <a:bodyPr>
+            <a:normAutofit/>
+          </a:bodyPr>
+          <a:lstStyle/>
+          <a:p>
+            <a:pPr algn="ctr"/>
+            <a:r>
+              <a:rPr lang="pt-BR" sz="6000" dirty="0" smtClean="0">
+                <a:solidFill>
+                  <a:schemeClr val="bg1"/>
+                </a:solidFill>
+                <a:latin typeface="Arial" panose="020B0604020202020204" pitchFamily="34" charset="0"/>
+                <a:cs typeface="Arial" panose="020B0604020202020204" pitchFamily="34" charset="0"/>
+              </a:rPr>
+              <a:t>Composição</a:t>
+            </a:r>
+            <a:endParaRPr lang="pt-BR" sz="6000" dirty="0">
+              <a:solidFill>
+                <a:schemeClr val="bg1"/>
+              </a:solidFill>
+              <a:latin typeface="Arial" panose="020B0604020202020204" pitchFamily="34" charset="0"/>
+              <a:cs typeface="Arial" panose="020B0604020202020204" pitchFamily="34" charset="0"/>
+            </a:endParaRPr>
           </a:p>
         </p:txBody>
       </p:sp>
@@ -3980,19 +4072,216 @@
             <p:ph idx="1"/>
           </p:nvPr>
         </p:nvSpPr>
-        <p:spPr/>
-        <p:txBody>
-          <a:bodyPr/>
-          <a:lstStyle/>
-          <a:p>
-            <a:endParaRPr lang="pt-BR"/>
+        <p:spPr>
+          <a:xfrm>
+            <a:off x="838200" y="1847140"/>
+            <a:ext cx="10515600" cy="4351338"/>
+          </a:xfrm>
+        </p:spPr>
+        <p:txBody>
+          <a:bodyPr>
+            <a:normAutofit/>
+          </a:bodyPr>
+          <a:lstStyle/>
+          <a:p>
+            <a:r>
+              <a:rPr lang="pt-BR" sz="2400" dirty="0" smtClean="0">
+                <a:solidFill>
+                  <a:schemeClr val="bg1"/>
+                </a:solidFill>
+                <a:latin typeface="Arial" panose="020B0604020202020204" pitchFamily="34" charset="0"/>
+                <a:cs typeface="Arial" panose="020B0604020202020204" pitchFamily="34" charset="0"/>
+              </a:rPr>
+              <a:t>Núcleo = transporta </a:t>
+            </a:r>
+            <a:r>
+              <a:rPr lang="pt-BR" sz="2400" dirty="0">
+                <a:solidFill>
+                  <a:schemeClr val="bg1"/>
+                </a:solidFill>
+                <a:latin typeface="Arial" panose="020B0604020202020204" pitchFamily="34" charset="0"/>
+                <a:cs typeface="Arial" panose="020B0604020202020204" pitchFamily="34" charset="0"/>
+              </a:rPr>
+              <a:t>os sinais eletrônicos que constituem os </a:t>
+            </a:r>
+            <a:r>
+              <a:rPr lang="pt-BR" sz="2400" dirty="0" smtClean="0">
+                <a:solidFill>
+                  <a:schemeClr val="bg1"/>
+                </a:solidFill>
+                <a:latin typeface="Arial" panose="020B0604020202020204" pitchFamily="34" charset="0"/>
+                <a:cs typeface="Arial" panose="020B0604020202020204" pitchFamily="34" charset="0"/>
+              </a:rPr>
+              <a:t>dados</a:t>
+            </a:r>
+            <a:r>
+              <a:rPr lang="pt-BR" sz="2400" dirty="0">
+                <a:solidFill>
+                  <a:schemeClr val="bg1"/>
+                </a:solidFill>
+                <a:latin typeface="Arial" panose="020B0604020202020204" pitchFamily="34" charset="0"/>
+                <a:cs typeface="Arial" panose="020B0604020202020204" pitchFamily="34" charset="0"/>
+              </a:rPr>
+              <a:t>;</a:t>
+            </a:r>
+            <a:endParaRPr lang="pt-BR" sz="2400" dirty="0" smtClean="0">
+              <a:solidFill>
+                <a:schemeClr val="bg1"/>
+              </a:solidFill>
+              <a:latin typeface="Arial" panose="020B0604020202020204" pitchFamily="34" charset="0"/>
+              <a:cs typeface="Arial" panose="020B0604020202020204" pitchFamily="34" charset="0"/>
+            </a:endParaRPr>
+          </a:p>
+          <a:p>
+            <a:r>
+              <a:rPr lang="pt-BR" sz="2400" dirty="0" smtClean="0">
+                <a:solidFill>
+                  <a:schemeClr val="bg1"/>
+                </a:solidFill>
+                <a:latin typeface="Arial" panose="020B0604020202020204" pitchFamily="34" charset="0"/>
+                <a:cs typeface="Arial" panose="020B0604020202020204" pitchFamily="34" charset="0"/>
+              </a:rPr>
+              <a:t>Núcleo = sólido </a:t>
+            </a:r>
+            <a:r>
+              <a:rPr lang="pt-BR" sz="2400" dirty="0" smtClean="0">
+                <a:solidFill>
+                  <a:schemeClr val="bg1"/>
+                </a:solidFill>
+                <a:latin typeface="Arial" panose="020B0604020202020204" pitchFamily="34" charset="0"/>
+                <a:cs typeface="Arial" panose="020B0604020202020204" pitchFamily="34" charset="0"/>
+              </a:rPr>
+              <a:t>(cobre) ou </a:t>
+            </a:r>
+            <a:r>
+              <a:rPr lang="pt-BR" sz="2400" dirty="0" smtClean="0">
+                <a:solidFill>
+                  <a:schemeClr val="bg1"/>
+                </a:solidFill>
+                <a:latin typeface="Arial" panose="020B0604020202020204" pitchFamily="34" charset="0"/>
+                <a:cs typeface="Arial" panose="020B0604020202020204" pitchFamily="34" charset="0"/>
+              </a:rPr>
+              <a:t>trançado;</a:t>
+            </a:r>
+          </a:p>
+          <a:p>
+            <a:r>
+              <a:rPr lang="pt-BR" sz="2400" dirty="0" smtClean="0">
+                <a:solidFill>
+                  <a:schemeClr val="bg1"/>
+                </a:solidFill>
+                <a:latin typeface="Arial" panose="020B0604020202020204" pitchFamily="34" charset="0"/>
+                <a:cs typeface="Arial" panose="020B0604020202020204" pitchFamily="34" charset="0"/>
+              </a:rPr>
+              <a:t>Camada isolante = separar o núcleo da malha;</a:t>
+            </a:r>
+          </a:p>
+          <a:p>
+            <a:r>
+              <a:rPr lang="pt-BR" sz="2400" dirty="0">
+                <a:solidFill>
+                  <a:schemeClr val="bg1"/>
+                </a:solidFill>
+                <a:latin typeface="Arial" panose="020B0604020202020204" pitchFamily="34" charset="0"/>
+                <a:cs typeface="Arial" panose="020B0604020202020204" pitchFamily="34" charset="0"/>
+              </a:rPr>
+              <a:t>M</a:t>
+            </a:r>
+            <a:r>
+              <a:rPr lang="pt-BR" sz="2400" dirty="0" smtClean="0">
+                <a:solidFill>
+                  <a:schemeClr val="bg1"/>
+                </a:solidFill>
+                <a:latin typeface="Arial" panose="020B0604020202020204" pitchFamily="34" charset="0"/>
+                <a:cs typeface="Arial" panose="020B0604020202020204" pitchFamily="34" charset="0"/>
+              </a:rPr>
+              <a:t>alha </a:t>
+            </a:r>
+            <a:r>
+              <a:rPr lang="pt-BR" sz="2400" dirty="0">
+                <a:solidFill>
+                  <a:schemeClr val="bg1"/>
+                </a:solidFill>
+                <a:latin typeface="Arial" panose="020B0604020202020204" pitchFamily="34" charset="0"/>
+                <a:cs typeface="Arial" panose="020B0604020202020204" pitchFamily="34" charset="0"/>
+              </a:rPr>
+              <a:t>de </a:t>
+            </a:r>
+            <a:r>
+              <a:rPr lang="pt-BR" sz="2400" dirty="0" smtClean="0">
+                <a:solidFill>
+                  <a:schemeClr val="bg1"/>
+                </a:solidFill>
+                <a:latin typeface="Arial" panose="020B0604020202020204" pitchFamily="34" charset="0"/>
+                <a:cs typeface="Arial" panose="020B0604020202020204" pitchFamily="34" charset="0"/>
+              </a:rPr>
+              <a:t>fio (trançada ou retorcida) </a:t>
+            </a:r>
+            <a:r>
+              <a:rPr lang="pt-BR" sz="2400" dirty="0" smtClean="0">
+                <a:solidFill>
+                  <a:schemeClr val="bg1"/>
+                </a:solidFill>
+                <a:latin typeface="Arial" panose="020B0604020202020204" pitchFamily="34" charset="0"/>
+                <a:cs typeface="Arial" panose="020B0604020202020204" pitchFamily="34" charset="0"/>
+              </a:rPr>
+              <a:t>= protege </a:t>
+            </a:r>
+            <a:r>
+              <a:rPr lang="pt-BR" sz="2400" dirty="0">
+                <a:solidFill>
+                  <a:schemeClr val="bg1"/>
+                </a:solidFill>
+                <a:latin typeface="Arial" panose="020B0604020202020204" pitchFamily="34" charset="0"/>
+                <a:cs typeface="Arial" panose="020B0604020202020204" pitchFamily="34" charset="0"/>
+              </a:rPr>
+              <a:t>o núcleo contra </a:t>
+            </a:r>
+            <a:r>
+              <a:rPr lang="pt-BR" sz="2400" dirty="0" smtClean="0">
+                <a:solidFill>
+                  <a:schemeClr val="bg1"/>
+                </a:solidFill>
+                <a:latin typeface="Arial" panose="020B0604020202020204" pitchFamily="34" charset="0"/>
+                <a:cs typeface="Arial" panose="020B0604020202020204" pitchFamily="34" charset="0"/>
+              </a:rPr>
+              <a:t>ruídos;</a:t>
+            </a:r>
+          </a:p>
+          <a:p>
+            <a:r>
+              <a:rPr lang="pt-BR" sz="2400" dirty="0" smtClean="0">
+                <a:solidFill>
+                  <a:schemeClr val="bg1"/>
+                </a:solidFill>
+                <a:latin typeface="Arial" panose="020B0604020202020204" pitchFamily="34" charset="0"/>
+                <a:cs typeface="Arial" panose="020B0604020202020204" pitchFamily="34" charset="0"/>
+              </a:rPr>
+              <a:t>Capa = blindagem externa não condutora.</a:t>
+            </a:r>
+            <a:endParaRPr lang="pt-BR" sz="2400" dirty="0" smtClean="0">
+              <a:solidFill>
+                <a:schemeClr val="bg1"/>
+              </a:solidFill>
+              <a:latin typeface="Arial" panose="020B0604020202020204" pitchFamily="34" charset="0"/>
+              <a:cs typeface="Arial" panose="020B0604020202020204" pitchFamily="34" charset="0"/>
+            </a:endParaRPr>
+          </a:p>
+          <a:p>
+            <a:endParaRPr lang="pt-BR" sz="2400" dirty="0">
+              <a:solidFill>
+                <a:schemeClr val="bg1"/>
+              </a:solidFill>
+              <a:latin typeface="Arial" panose="020B0604020202020204" pitchFamily="34" charset="0"/>
+              <a:cs typeface="Arial" panose="020B0604020202020204" pitchFamily="34" charset="0"/>
+            </a:endParaRPr>
           </a:p>
         </p:txBody>
       </p:sp>
     </p:spTree>
     <p:extLst>
       <p:ext uri="{BB962C8B-B14F-4D97-AF65-F5344CB8AC3E}">
-        <p14:creationId xmlns:p14="http://schemas.microsoft.com/office/powerpoint/2010/main" val="2275170138"/>
+        <p14:creationId xmlns:p14="http://schemas.microsoft.com/office/powerpoint/2010/main" val="161230670"/>
       </p:ext>
     </p:extLst>
   </p:cSld>
@@ -4049,32 +4338,91 @@
         </p:nvSpPr>
         <p:spPr/>
         <p:txBody>
-          <a:bodyPr/>
-          <a:lstStyle/>
-          <a:p>
-            <a:endParaRPr lang="pt-BR"/>
-          </a:p>
-        </p:txBody>
-      </p:sp>
-      <p:sp>
-        <p:nvSpPr>
-          <p:cNvPr id="3" name="Espaço Reservado para Conteúdo 2"/>
-          <p:cNvSpPr>
-            <a:spLocks noGrp="1"/>
-          </p:cNvSpPr>
+          <a:bodyPr>
+            <a:normAutofit/>
+          </a:bodyPr>
+          <a:lstStyle/>
+          <a:p>
+            <a:pPr algn="ctr"/>
+            <a:r>
+              <a:rPr lang="pt-BR" sz="6000" dirty="0" smtClean="0">
+                <a:solidFill>
+                  <a:schemeClr val="bg1"/>
+                </a:solidFill>
+                <a:latin typeface="Arial" panose="020B0604020202020204" pitchFamily="34" charset="0"/>
+                <a:cs typeface="Arial" panose="020B0604020202020204" pitchFamily="34" charset="0"/>
+              </a:rPr>
+              <a:t>Funcionamento</a:t>
+            </a:r>
+            <a:endParaRPr lang="pt-BR" sz="6000" dirty="0">
+              <a:solidFill>
+                <a:schemeClr val="bg1"/>
+              </a:solidFill>
+              <a:latin typeface="Arial" panose="020B0604020202020204" pitchFamily="34" charset="0"/>
+              <a:cs typeface="Arial" panose="020B0604020202020204" pitchFamily="34" charset="0"/>
+            </a:endParaRPr>
+          </a:p>
+        </p:txBody>
+      </p:sp>
+      <p:pic>
+        <p:nvPicPr>
+          <p:cNvPr id="9" name="Espaço Reservado para Conteúdo 8"/>
+          <p:cNvPicPr>
+            <a:picLocks noGrp="1" noChangeAspect="1"/>
+          </p:cNvPicPr>
           <p:nvPr>
             <p:ph idx="1"/>
           </p:nvPr>
-        </p:nvSpPr>
-        <p:spPr/>
-        <p:txBody>
-          <a:bodyPr/>
-          <a:lstStyle/>
-          <a:p>
-            <a:endParaRPr lang="pt-BR"/>
-          </a:p>
-        </p:txBody>
-      </p:sp>
+        </p:nvPicPr>
+        <p:blipFill>
+          <a:blip r:embed="rId3" cstate="print">
+            <a:extLst>
+              <a:ext uri="{28A0092B-C50C-407E-A947-70E740481C1C}">
+                <a14:useLocalDpi xmlns:a14="http://schemas.microsoft.com/office/drawing/2010/main" val="0"/>
+              </a:ext>
+            </a:extLst>
+          </a:blip>
+          <a:stretch>
+            <a:fillRect/>
+          </a:stretch>
+        </p:blipFill>
+        <p:spPr>
+          <a:xfrm>
+            <a:off x="6523605" y="3889846"/>
+            <a:ext cx="4336209" cy="2492219"/>
+          </a:xfrm>
+        </p:spPr>
+      </p:pic>
+      <p:pic>
+        <p:nvPicPr>
+          <p:cNvPr id="10" name="Imagem 9"/>
+          <p:cNvPicPr>
+            <a:picLocks noChangeAspect="1"/>
+          </p:cNvPicPr>
+          <p:nvPr/>
+        </p:nvPicPr>
+        <p:blipFill>
+          <a:blip r:embed="rId4">
+            <a:extLst>
+              <a:ext uri="{28A0092B-C50C-407E-A947-70E740481C1C}">
+                <a14:useLocalDpi xmlns:a14="http://schemas.microsoft.com/office/drawing/2010/main" val="0"/>
+              </a:ext>
+            </a:extLst>
+          </a:blip>
+          <a:stretch>
+            <a:fillRect/>
+          </a:stretch>
+        </p:blipFill>
+        <p:spPr>
+          <a:xfrm>
+            <a:off x="2133754" y="3889846"/>
+            <a:ext cx="3038054" cy="2491200"/>
+          </a:xfrm>
+          <a:prstGeom prst="rect">
+            <a:avLst/>
+          </a:prstGeom>
+        </p:spPr>
+      </p:pic>
     </p:spTree>
     <p:extLst>
       <p:ext uri="{BB962C8B-B14F-4D97-AF65-F5344CB8AC3E}">
@@ -4128,10 +4476,29 @@
         </p:nvSpPr>
         <p:spPr/>
         <p:txBody>
-          <a:bodyPr/>
-          <a:lstStyle/>
-          <a:p>
-            <a:endParaRPr lang="pt-BR"/>
+          <a:bodyPr>
+            <a:normAutofit/>
+          </a:bodyPr>
+          <a:lstStyle/>
+          <a:p>
+            <a:pPr algn="ctr"/>
+            <a:r>
+              <a:rPr lang="pt-BR" sz="6000" dirty="0" smtClean="0">
+                <a:solidFill>
+                  <a:schemeClr val="bg1"/>
+                </a:solidFill>
+                <a:latin typeface="Arial" panose="020B0604020202020204" pitchFamily="34" charset="0"/>
+                <a:cs typeface="Arial" panose="020B0604020202020204" pitchFamily="34" charset="0"/>
+              </a:rPr>
+              <a:t>Características</a:t>
+            </a:r>
+            <a:endParaRPr lang="pt-BR" sz="6000" dirty="0">
+              <a:solidFill>
+                <a:schemeClr val="bg1"/>
+              </a:solidFill>
+              <a:latin typeface="Arial" panose="020B0604020202020204" pitchFamily="34" charset="0"/>
+              <a:cs typeface="Arial" panose="020B0604020202020204" pitchFamily="34" charset="0"/>
+            </a:endParaRPr>
           </a:p>
         </p:txBody>
       </p:sp>
@@ -4150,20 +4517,75 @@
           <a:bodyPr/>
           <a:lstStyle/>
           <a:p>
-            <a:endParaRPr lang="pt-BR"/>
+            <a:r>
+              <a:rPr lang="pt-BR" sz="2400" dirty="0" smtClean="0">
+                <a:solidFill>
+                  <a:schemeClr val="bg1"/>
+                </a:solidFill>
+                <a:latin typeface="Arial" panose="020B0604020202020204" pitchFamily="34" charset="0"/>
+                <a:cs typeface="Arial" panose="020B0604020202020204" pitchFamily="34" charset="0"/>
+              </a:rPr>
+              <a:t>Baixa interferência;</a:t>
+            </a:r>
+          </a:p>
+          <a:p>
+            <a:r>
+              <a:rPr lang="pt-BR" sz="2400" dirty="0" smtClean="0">
+                <a:solidFill>
+                  <a:schemeClr val="bg1"/>
+                </a:solidFill>
+                <a:latin typeface="Arial" panose="020B0604020202020204" pitchFamily="34" charset="0"/>
+                <a:cs typeface="Arial" panose="020B0604020202020204" pitchFamily="34" charset="0"/>
+              </a:rPr>
+              <a:t>Cabo rígido;</a:t>
+            </a:r>
+          </a:p>
+          <a:p>
+            <a:r>
+              <a:rPr lang="pt-BR" sz="2400" dirty="0" smtClean="0">
+                <a:solidFill>
+                  <a:schemeClr val="bg1"/>
+                </a:solidFill>
+                <a:latin typeface="Arial" panose="020B0604020202020204" pitchFamily="34" charset="0"/>
+                <a:cs typeface="Arial" panose="020B0604020202020204" pitchFamily="34" charset="0"/>
+              </a:rPr>
+              <a:t>Alto custo;</a:t>
+            </a:r>
+          </a:p>
+          <a:p>
+            <a:r>
+              <a:rPr lang="pt-BR" sz="2400" dirty="0" smtClean="0">
+                <a:solidFill>
+                  <a:schemeClr val="bg1"/>
+                </a:solidFill>
+                <a:latin typeface="Arial" panose="020B0604020202020204" pitchFamily="34" charset="0"/>
+                <a:cs typeface="Arial" panose="020B0604020202020204" pitchFamily="34" charset="0"/>
+              </a:rPr>
+              <a:t>Difícil instalação e manutenção.</a:t>
+            </a:r>
+          </a:p>
+          <a:p>
+            <a:endParaRPr lang="pt-BR" dirty="0"/>
           </a:p>
         </p:txBody>
       </p:sp>
     </p:spTree>
     <p:extLst>
       <p:ext uri="{BB962C8B-B14F-4D97-AF65-F5344CB8AC3E}">
-        <p14:creationId xmlns:p14="http://schemas.microsoft.com/office/powerpoint/2010/main" val="2849714343"/>
+        <p14:creationId xmlns:p14="http://schemas.microsoft.com/office/powerpoint/2010/main" val="2275170138"/>
       </p:ext>
     </p:extLst>
   </p:cSld>
   <p:clrMapOvr>
     <a:masterClrMapping/>
   </p:clrMapOvr>
+  <p:timing>
+    <p:tnLst>
+      <p:par>
+        <p:cTn id="1" dur="indefinite" restart="never" nodeType="tmRoot"/>
+      </p:par>
+    </p:tnLst>
+  </p:timing>
 </p:sld>
 </file>
 
@@ -4207,10 +4629,29 @@
         </p:nvSpPr>
         <p:spPr/>
         <p:txBody>
-          <a:bodyPr/>
-          <a:lstStyle/>
-          <a:p>
-            <a:endParaRPr lang="pt-BR"/>
+          <a:bodyPr>
+            <a:normAutofit/>
+          </a:bodyPr>
+          <a:lstStyle/>
+          <a:p>
+            <a:pPr algn="ctr"/>
+            <a:r>
+              <a:rPr lang="pt-BR" sz="6000" dirty="0" smtClean="0">
+                <a:solidFill>
+                  <a:schemeClr val="bg1"/>
+                </a:solidFill>
+                <a:latin typeface="Arial" panose="020B0604020202020204" pitchFamily="34" charset="0"/>
+                <a:cs typeface="Arial" panose="020B0604020202020204" pitchFamily="34" charset="0"/>
+              </a:rPr>
+              <a:t>Utilização</a:t>
+            </a:r>
+            <a:endParaRPr lang="pt-BR" sz="6000" dirty="0">
+              <a:solidFill>
+                <a:schemeClr val="bg1"/>
+              </a:solidFill>
+              <a:latin typeface="Arial" panose="020B0604020202020204" pitchFamily="34" charset="0"/>
+              <a:cs typeface="Arial" panose="020B0604020202020204" pitchFamily="34" charset="0"/>
+            </a:endParaRPr>
           </a:p>
         </p:txBody>
       </p:sp>
